--- a/Projeto Acorde 2025.pptx
+++ b/Projeto Acorde 2025.pptx
@@ -108,6 +108,11 @@
       </a:defRPr>
     </a:lvl9pPr>
   </p:defaultTextStyle>
+  <p:extLst>
+    <p:ext uri="{EFAFB233-063F-42B5-8137-9DF3F51BA10A}">
+      <p15:sldGuideLst xmlns:p15="http://schemas.microsoft.com/office/powerpoint/2012/main"/>
+    </p:ext>
+  </p:extLst>
 </p:presentation>
 </file>
 
@@ -206,7 +211,7 @@
           <a:effectLst/>
           <a:extLst>
             <a:ext uri="{91240B29-F687-4f45-9708-019B960494DF}">
-              <a14:hiddenLine xmlns:a14="http://schemas.microsoft.com/office/drawing/2010/main" xmlns="" w="9525">
+              <a14:hiddenLine xmlns="" xmlns:a14="http://schemas.microsoft.com/office/drawing/2010/main" w="9525">
                 <a:solidFill>
                   <a:srgbClr val="000000"/>
                 </a:solidFill>
@@ -1716,7 +1721,7 @@
           <a:ln/>
           <a:extLst>
             <a:ext uri="{91240B29-F687-4f45-9708-019B960494DF}">
-              <a14:hiddenLine xmlns:a14="http://schemas.microsoft.com/office/drawing/2010/main" xmlns="" w="9525">
+              <a14:hiddenLine xmlns="" xmlns:a14="http://schemas.microsoft.com/office/drawing/2010/main" w="9525">
                 <a:solidFill>
                   <a:srgbClr val="000000"/>
                 </a:solidFill>
@@ -1988,7 +1993,7 @@
           <a:ln/>
           <a:extLst>
             <a:ext uri="{91240B29-F687-4f45-9708-019B960494DF}">
-              <a14:hiddenLine xmlns:a14="http://schemas.microsoft.com/office/drawing/2010/main" xmlns="" w="9525">
+              <a14:hiddenLine xmlns="" xmlns:a14="http://schemas.microsoft.com/office/drawing/2010/main" w="9525">
                 <a:solidFill>
                   <a:srgbClr val="000000"/>
                 </a:solidFill>
@@ -2268,7 +2273,7 @@
           <a:ln/>
           <a:extLst>
             <a:ext uri="{91240B29-F687-4f45-9708-019B960494DF}">
-              <a14:hiddenLine xmlns:a14="http://schemas.microsoft.com/office/drawing/2010/main" xmlns="" w="9525">
+              <a14:hiddenLine xmlns="" xmlns:a14="http://schemas.microsoft.com/office/drawing/2010/main" w="9525">
                 <a:solidFill>
                   <a:srgbClr val="000000"/>
                 </a:solidFill>
@@ -2888,7 +2893,7 @@
           <a:ln/>
           <a:extLst>
             <a:ext uri="{91240B29-F687-4f45-9708-019B960494DF}">
-              <a14:hiddenLine xmlns:a14="http://schemas.microsoft.com/office/drawing/2010/main" xmlns="" w="9525">
+              <a14:hiddenLine xmlns="" xmlns:a14="http://schemas.microsoft.com/office/drawing/2010/main" w="9525">
                 <a:solidFill>
                   <a:srgbClr val="000000"/>
                 </a:solidFill>
@@ -3224,7 +3229,7 @@
           <a:ln/>
           <a:extLst>
             <a:ext uri="{91240B29-F687-4f45-9708-019B960494DF}">
-              <a14:hiddenLine xmlns:a14="http://schemas.microsoft.com/office/drawing/2010/main" xmlns="" w="9525">
+              <a14:hiddenLine xmlns="" xmlns:a14="http://schemas.microsoft.com/office/drawing/2010/main" w="9525">
                 <a:solidFill>
                   <a:srgbClr val="000000"/>
                 </a:solidFill>
@@ -3698,7 +3703,7 @@
           <a:ln/>
           <a:extLst>
             <a:ext uri="{91240B29-F687-4f45-9708-019B960494DF}">
-              <a14:hiddenLine xmlns:a14="http://schemas.microsoft.com/office/drawing/2010/main" xmlns="" w="9525">
+              <a14:hiddenLine xmlns="" xmlns:a14="http://schemas.microsoft.com/office/drawing/2010/main" w="9525">
                 <a:solidFill>
                   <a:srgbClr val="000000"/>
                 </a:solidFill>
@@ -4121,7 +4126,7 @@
           <a:ln/>
           <a:extLst>
             <a:ext uri="{91240B29-F687-4f45-9708-019B960494DF}">
-              <a14:hiddenLine xmlns:a14="http://schemas.microsoft.com/office/drawing/2010/main" xmlns="" w="9525">
+              <a14:hiddenLine xmlns="" xmlns:a14="http://schemas.microsoft.com/office/drawing/2010/main" w="9525">
                 <a:solidFill>
                   <a:srgbClr val="000000"/>
                 </a:solidFill>
@@ -6196,13 +6201,13 @@
         </p:nvSpPr>
         <p:spPr>
           <a:xfrm>
-            <a:off x="818712" y="2222287"/>
-            <a:ext cx="10554574" cy="4635713"/>
+            <a:off x="556247" y="2450888"/>
+            <a:ext cx="3973421" cy="4686512"/>
           </a:xfrm>
         </p:spPr>
         <p:txBody>
           <a:bodyPr>
-            <a:normAutofit fontScale="85000" lnSpcReduction="20000"/>
+            <a:normAutofit/>
           </a:bodyPr>
           <a:lstStyle/>
           <a:p>
@@ -6217,7 +6222,7 @@
               <a:buAutoNum type="arabicPeriod"/>
             </a:pPr>
             <a:r>
-              <a:rPr lang="pt-BR" sz="1800" dirty="0">
+              <a:rPr lang="pt-BR" sz="1400" dirty="0">
                 <a:effectLst/>
                 <a:latin typeface="Cambria" panose="02040503050406030204" pitchFamily="18" charset="0"/>
                 <a:ea typeface="Times New Roman" panose="02020603050405020304" pitchFamily="18" charset="0"/>
@@ -6225,7 +6230,7 @@
               </a:rPr>
               <a:t>O sistema deve permitir ao usuário selecionar e reproduzir uma música armazenada no dispositivo;</a:t>
             </a:r>
-            <a:endParaRPr lang="pt-BR" sz="1800" dirty="0">
+            <a:endParaRPr lang="pt-BR" sz="1400" dirty="0">
               <a:effectLst/>
               <a:latin typeface="Calibri" panose="020F0502020204030204" pitchFamily="34" charset="0"/>
               <a:ea typeface="Times New Roman" panose="02020603050405020304" pitchFamily="18" charset="0"/>
@@ -6244,7 +6249,7 @@
               <a:buAutoNum type="arabicPeriod"/>
             </a:pPr>
             <a:r>
-              <a:rPr lang="pt-BR" sz="1800" dirty="0">
+              <a:rPr lang="pt-BR" sz="1400" dirty="0">
                 <a:effectLst/>
                 <a:latin typeface="Cambria" panose="02040503050406030204" pitchFamily="18" charset="0"/>
                 <a:ea typeface="Times New Roman" panose="02020603050405020304" pitchFamily="18" charset="0"/>
@@ -6252,7 +6257,7 @@
               </a:rPr>
               <a:t>O sistema deve permitir ao usuário pausar a música em execução;</a:t>
             </a:r>
-            <a:endParaRPr lang="pt-BR" sz="1800" dirty="0">
+            <a:endParaRPr lang="pt-BR" sz="1400" dirty="0">
               <a:effectLst/>
               <a:latin typeface="Calibri" panose="020F0502020204030204" pitchFamily="34" charset="0"/>
               <a:ea typeface="Times New Roman" panose="02020603050405020304" pitchFamily="18" charset="0"/>
@@ -6271,7 +6276,7 @@
               <a:buAutoNum type="arabicPeriod"/>
             </a:pPr>
             <a:r>
-              <a:rPr lang="pt-BR" sz="1800" dirty="0">
+              <a:rPr lang="pt-BR" sz="1400" dirty="0">
                 <a:effectLst/>
                 <a:latin typeface="Cambria" panose="02040503050406030204" pitchFamily="18" charset="0"/>
                 <a:ea typeface="Times New Roman" panose="02020603050405020304" pitchFamily="18" charset="0"/>
@@ -6279,7 +6284,7 @@
               </a:rPr>
               <a:t>O sistema deve permitir ao usuário avançar para a próxima música na lista de reprodução;</a:t>
             </a:r>
-            <a:endParaRPr lang="pt-BR" sz="1800" dirty="0">
+            <a:endParaRPr lang="pt-BR" sz="1400" dirty="0">
               <a:effectLst/>
               <a:latin typeface="Calibri" panose="020F0502020204030204" pitchFamily="34" charset="0"/>
               <a:ea typeface="Times New Roman" panose="02020603050405020304" pitchFamily="18" charset="0"/>
@@ -6298,7 +6303,7 @@
               <a:buAutoNum type="arabicPeriod"/>
             </a:pPr>
             <a:r>
-              <a:rPr lang="pt-BR" sz="1800" dirty="0">
+              <a:rPr lang="pt-BR" sz="1400" dirty="0">
                 <a:effectLst/>
                 <a:latin typeface="Cambria" panose="02040503050406030204" pitchFamily="18" charset="0"/>
                 <a:ea typeface="Times New Roman" panose="02020603050405020304" pitchFamily="18" charset="0"/>
@@ -6306,7 +6311,7 @@
               </a:rPr>
               <a:t>O sistema deve permitir ao usuário retroceder para a música anterior na lista de reprodução;</a:t>
             </a:r>
-            <a:endParaRPr lang="pt-BR" sz="1800" dirty="0">
+            <a:endParaRPr lang="pt-BR" sz="1400" dirty="0">
               <a:effectLst/>
               <a:latin typeface="Calibri" panose="020F0502020204030204" pitchFamily="34" charset="0"/>
               <a:ea typeface="Times New Roman" panose="02020603050405020304" pitchFamily="18" charset="0"/>
@@ -6325,7 +6330,7 @@
               <a:buAutoNum type="arabicPeriod"/>
             </a:pPr>
             <a:r>
-              <a:rPr lang="pt-BR" sz="1800" dirty="0">
+              <a:rPr lang="pt-BR" sz="1400" dirty="0">
                 <a:effectLst/>
                 <a:latin typeface="Cambria" panose="02040503050406030204" pitchFamily="18" charset="0"/>
                 <a:ea typeface="Times New Roman" panose="02020603050405020304" pitchFamily="18" charset="0"/>
@@ -6333,7 +6338,7 @@
               </a:rPr>
               <a:t>O sistema deve ser capaz de exibir informações gerais de qualquer música listada, como título, artista, álbum, duração, etc.;</a:t>
             </a:r>
-            <a:endParaRPr lang="pt-BR" sz="1800" dirty="0">
+            <a:endParaRPr lang="pt-BR" sz="1400" dirty="0">
               <a:effectLst/>
               <a:latin typeface="Calibri" panose="020F0502020204030204" pitchFamily="34" charset="0"/>
               <a:ea typeface="Times New Roman" panose="02020603050405020304" pitchFamily="18" charset="0"/>
@@ -6341,7 +6346,237 @@
             </a:endParaRPr>
           </a:p>
           <a:p>
-            <a:pPr marL="344805" indent="-342900">
+            <a:endParaRPr lang="pt-BR" dirty="0"/>
+          </a:p>
+        </p:txBody>
+      </p:sp>
+      <p:sp>
+        <p:nvSpPr>
+          <p:cNvPr id="4" name="Espaço Reservado para Conteúdo 2">
+            <a:extLst>
+              <a:ext uri="{FF2B5EF4-FFF2-40B4-BE49-F238E27FC236}">
+                <a16:creationId xmlns:a16="http://schemas.microsoft.com/office/drawing/2014/main" id="{DDF737FE-05FA-4DC4-AB9D-7F537822D460}"/>
+              </a:ext>
+            </a:extLst>
+          </p:cNvPr>
+          <p:cNvSpPr txBox="1">
+            <a:spLocks/>
+          </p:cNvSpPr>
+          <p:nvPr/>
+        </p:nvSpPr>
+        <p:spPr>
+          <a:xfrm>
+            <a:off x="6951133" y="2374688"/>
+            <a:ext cx="3973421" cy="4686512"/>
+          </a:xfrm>
+          <a:prstGeom prst="rect">
+            <a:avLst/>
+          </a:prstGeom>
+          <a:effectLst>
+            <a:outerShdw blurRad="50800" dir="14400000">
+              <a:srgbClr val="000000">
+                <a:alpha val="40000"/>
+              </a:srgbClr>
+            </a:outerShdw>
+          </a:effectLst>
+        </p:spPr>
+        <p:txBody>
+          <a:bodyPr vert="horz" lIns="91440" tIns="45720" rIns="91440" bIns="45720" rtlCol="0" anchor="ctr">
+            <a:normAutofit fontScale="92500" lnSpcReduction="20000"/>
+          </a:bodyPr>
+          <a:lstStyle>
+            <a:lvl1pPr marL="342900" indent="-342900" algn="l" defTabSz="457200" rtl="0" eaLnBrk="1" latinLnBrk="0" hangingPunct="1">
+              <a:spcBef>
+                <a:spcPct val="20000"/>
+              </a:spcBef>
+              <a:spcAft>
+                <a:spcPts val="600"/>
+              </a:spcAft>
+              <a:buClr>
+                <a:schemeClr val="accent1"/>
+              </a:buClr>
+              <a:buFont typeface="Wingdings 2" charset="2"/>
+              <a:buChar char=""/>
+              <a:defRPr sz="1800" kern="1200">
+                <a:solidFill>
+                  <a:schemeClr val="tx1"/>
+                </a:solidFill>
+                <a:latin typeface="+mn-lt"/>
+                <a:ea typeface="+mn-ea"/>
+                <a:cs typeface="+mn-cs"/>
+              </a:defRPr>
+            </a:lvl1pPr>
+            <a:lvl2pPr marL="742950" indent="-285750" algn="l" defTabSz="457200" rtl="0" eaLnBrk="1" latinLnBrk="0" hangingPunct="1">
+              <a:spcBef>
+                <a:spcPct val="20000"/>
+              </a:spcBef>
+              <a:spcAft>
+                <a:spcPts val="600"/>
+              </a:spcAft>
+              <a:buClr>
+                <a:schemeClr val="accent1"/>
+              </a:buClr>
+              <a:buFont typeface="Wingdings 2" charset="2"/>
+              <a:buChar char=""/>
+              <a:defRPr sz="1600" kern="1200">
+                <a:solidFill>
+                  <a:schemeClr val="tx1"/>
+                </a:solidFill>
+                <a:latin typeface="+mn-lt"/>
+                <a:ea typeface="+mn-ea"/>
+                <a:cs typeface="+mn-cs"/>
+              </a:defRPr>
+            </a:lvl2pPr>
+            <a:lvl3pPr marL="1143000" indent="-228600" algn="l" defTabSz="457200" rtl="0" eaLnBrk="1" latinLnBrk="0" hangingPunct="1">
+              <a:spcBef>
+                <a:spcPct val="20000"/>
+              </a:spcBef>
+              <a:spcAft>
+                <a:spcPts val="600"/>
+              </a:spcAft>
+              <a:buClr>
+                <a:schemeClr val="accent1"/>
+              </a:buClr>
+              <a:buFont typeface="Wingdings 2" charset="2"/>
+              <a:buChar char=""/>
+              <a:defRPr sz="1400" kern="1200">
+                <a:solidFill>
+                  <a:schemeClr val="tx1"/>
+                </a:solidFill>
+                <a:latin typeface="+mn-lt"/>
+                <a:ea typeface="+mn-ea"/>
+                <a:cs typeface="+mn-cs"/>
+              </a:defRPr>
+            </a:lvl3pPr>
+            <a:lvl4pPr marL="1600200" indent="-228600" algn="l" defTabSz="457200" rtl="0" eaLnBrk="1" latinLnBrk="0" hangingPunct="1">
+              <a:spcBef>
+                <a:spcPct val="20000"/>
+              </a:spcBef>
+              <a:spcAft>
+                <a:spcPts val="600"/>
+              </a:spcAft>
+              <a:buClr>
+                <a:schemeClr val="accent1"/>
+              </a:buClr>
+              <a:buFont typeface="Wingdings 2" charset="2"/>
+              <a:buChar char=""/>
+              <a:defRPr sz="1200" kern="1200">
+                <a:solidFill>
+                  <a:schemeClr val="tx1"/>
+                </a:solidFill>
+                <a:latin typeface="+mn-lt"/>
+                <a:ea typeface="+mn-ea"/>
+                <a:cs typeface="+mn-cs"/>
+              </a:defRPr>
+            </a:lvl4pPr>
+            <a:lvl5pPr marL="2057400" indent="-228600" algn="l" defTabSz="457200" rtl="0" eaLnBrk="1" latinLnBrk="0" hangingPunct="1">
+              <a:spcBef>
+                <a:spcPct val="20000"/>
+              </a:spcBef>
+              <a:spcAft>
+                <a:spcPts val="600"/>
+              </a:spcAft>
+              <a:buClr>
+                <a:schemeClr val="accent1"/>
+              </a:buClr>
+              <a:buFont typeface="Wingdings 2" charset="2"/>
+              <a:buChar char=""/>
+              <a:defRPr sz="1200" kern="1200">
+                <a:solidFill>
+                  <a:schemeClr val="tx1"/>
+                </a:solidFill>
+                <a:latin typeface="+mn-lt"/>
+                <a:ea typeface="+mn-ea"/>
+                <a:cs typeface="+mn-cs"/>
+              </a:defRPr>
+            </a:lvl5pPr>
+            <a:lvl6pPr marL="2400000" indent="-228600" algn="l" defTabSz="457200" rtl="0" eaLnBrk="1" latinLnBrk="0" hangingPunct="1">
+              <a:spcBef>
+                <a:spcPct val="20000"/>
+              </a:spcBef>
+              <a:spcAft>
+                <a:spcPts val="600"/>
+              </a:spcAft>
+              <a:buClr>
+                <a:schemeClr val="accent1"/>
+              </a:buClr>
+              <a:buFont typeface="Wingdings 2" charset="2"/>
+              <a:buChar char=""/>
+              <a:defRPr sz="1200" kern="1200">
+                <a:solidFill>
+                  <a:schemeClr val="tx1"/>
+                </a:solidFill>
+                <a:latin typeface="+mn-lt"/>
+                <a:ea typeface="+mn-ea"/>
+                <a:cs typeface="+mn-cs"/>
+              </a:defRPr>
+            </a:lvl6pPr>
+            <a:lvl7pPr marL="2800000" indent="-228600" algn="l" defTabSz="457200" rtl="0" eaLnBrk="1" latinLnBrk="0" hangingPunct="1">
+              <a:spcBef>
+                <a:spcPct val="20000"/>
+              </a:spcBef>
+              <a:spcAft>
+                <a:spcPts val="600"/>
+              </a:spcAft>
+              <a:buClr>
+                <a:schemeClr val="accent1"/>
+              </a:buClr>
+              <a:buFont typeface="Wingdings 2" charset="2"/>
+              <a:buChar char=""/>
+              <a:defRPr sz="1200" kern="1200">
+                <a:solidFill>
+                  <a:schemeClr val="tx1"/>
+                </a:solidFill>
+                <a:latin typeface="+mn-lt"/>
+                <a:ea typeface="+mn-ea"/>
+                <a:cs typeface="+mn-cs"/>
+              </a:defRPr>
+            </a:lvl7pPr>
+            <a:lvl8pPr marL="3200000" indent="-228600" algn="l" defTabSz="457200" rtl="0" eaLnBrk="1" latinLnBrk="0" hangingPunct="1">
+              <a:spcBef>
+                <a:spcPct val="20000"/>
+              </a:spcBef>
+              <a:spcAft>
+                <a:spcPts val="600"/>
+              </a:spcAft>
+              <a:buClr>
+                <a:schemeClr val="accent1"/>
+              </a:buClr>
+              <a:buFont typeface="Wingdings 2" charset="2"/>
+              <a:buChar char=""/>
+              <a:defRPr sz="1200" kern="1200">
+                <a:solidFill>
+                  <a:schemeClr val="tx1"/>
+                </a:solidFill>
+                <a:latin typeface="+mn-lt"/>
+                <a:ea typeface="+mn-ea"/>
+                <a:cs typeface="+mn-cs"/>
+              </a:defRPr>
+            </a:lvl8pPr>
+            <a:lvl9pPr marL="3600000" indent="-228600" algn="l" defTabSz="457200" rtl="0" eaLnBrk="1" latinLnBrk="0" hangingPunct="1">
+              <a:spcBef>
+                <a:spcPct val="20000"/>
+              </a:spcBef>
+              <a:spcAft>
+                <a:spcPts val="600"/>
+              </a:spcAft>
+              <a:buClr>
+                <a:schemeClr val="accent1"/>
+              </a:buClr>
+              <a:buFont typeface="Wingdings 2" charset="2"/>
+              <a:buChar char=""/>
+              <a:defRPr sz="1200" kern="1200">
+                <a:solidFill>
+                  <a:schemeClr val="tx1"/>
+                </a:solidFill>
+                <a:latin typeface="+mn-lt"/>
+                <a:ea typeface="+mn-ea"/>
+                <a:cs typeface="+mn-cs"/>
+              </a:defRPr>
+            </a:lvl9pPr>
+          </a:lstStyle>
+          <a:p>
+            <a:pPr>
               <a:lnSpc>
                 <a:spcPct val="115000"/>
               </a:lnSpc>
@@ -6349,26 +6584,20 @@
                 <a:spcPts val="1000"/>
               </a:spcAft>
               <a:buFont typeface="+mj-lt"/>
-              <a:buAutoNum type="arabicPeriod"/>
+              <a:buAutoNum type="arabicPeriod" startAt="6"/>
             </a:pPr>
             <a:r>
-              <a:rPr lang="pt-BR" sz="1800" dirty="0">
+              <a:rPr lang="pt-BR" sz="1600" dirty="0">
                 <a:effectLst/>
                 <a:latin typeface="Cambria" panose="02040503050406030204" pitchFamily="18" charset="0"/>
-                <a:ea typeface="Times New Roman" panose="02020603050405020304" pitchFamily="18" charset="0"/>
+                <a:ea typeface="Cambria" panose="02040503050406030204" pitchFamily="18" charset="0"/>
                 <a:cs typeface="Arial" panose="020B0604020202020204" pitchFamily="34" charset="0"/>
               </a:rPr>
-              <a:t>O sistema deve ser capaz de exibir informações detalhadas sobre as músicas listadas para auxiliar no aprendizado e prática de instrumentos musicais, como afinação, instrumentos, tom, tablatura, andamento, etc.;</a:t>
-            </a:r>
-            <a:endParaRPr lang="pt-BR" sz="1800" dirty="0">
-              <a:effectLst/>
-              <a:latin typeface="Calibri" panose="020F0502020204030204" pitchFamily="34" charset="0"/>
-              <a:ea typeface="Times New Roman" panose="02020603050405020304" pitchFamily="18" charset="0"/>
-              <a:cs typeface="Times New Roman" panose="02020603050405020304" pitchFamily="18" charset="0"/>
-            </a:endParaRPr>
-          </a:p>
-          <a:p>
-            <a:pPr marL="344805" indent="-342900">
+              <a:t>O sistema deve ser capaz de exibir informações detalhadas sobre as músicas listadas;</a:t>
+            </a:r>
+          </a:p>
+          <a:p>
+            <a:pPr>
               <a:lnSpc>
                 <a:spcPct val="115000"/>
               </a:lnSpc>
@@ -6376,26 +6605,26 @@
                 <a:spcPts val="1000"/>
               </a:spcAft>
               <a:buFont typeface="+mj-lt"/>
-              <a:buAutoNum type="arabicPeriod"/>
+              <a:buAutoNum type="arabicPeriod" startAt="6"/>
             </a:pPr>
             <a:r>
-              <a:rPr lang="pt-BR" sz="1800" dirty="0">
+              <a:rPr lang="pt-BR" sz="1600" dirty="0">
                 <a:effectLst/>
                 <a:latin typeface="Cambria" panose="02040503050406030204" pitchFamily="18" charset="0"/>
-                <a:ea typeface="Times New Roman" panose="02020603050405020304" pitchFamily="18" charset="0"/>
+                <a:ea typeface="Cambria" panose="02040503050406030204" pitchFamily="18" charset="0"/>
                 <a:cs typeface="Arial" panose="020B0604020202020204" pitchFamily="34" charset="0"/>
               </a:rPr>
               <a:t>O sistema deve permitir ao usuário editar manualmente as informações de uma música, como título, artista e gênero;</a:t>
             </a:r>
-            <a:endParaRPr lang="pt-BR" sz="1800" dirty="0">
+            <a:endParaRPr lang="pt-BR" sz="1600" dirty="0">
               <a:effectLst/>
-              <a:latin typeface="Calibri" panose="020F0502020204030204" pitchFamily="34" charset="0"/>
-              <a:ea typeface="Times New Roman" panose="02020603050405020304" pitchFamily="18" charset="0"/>
+              <a:latin typeface="Cambria" panose="02040503050406030204" pitchFamily="18" charset="0"/>
+              <a:ea typeface="Cambria" panose="02040503050406030204" pitchFamily="18" charset="0"/>
               <a:cs typeface="Times New Roman" panose="02020603050405020304" pitchFamily="18" charset="0"/>
             </a:endParaRPr>
           </a:p>
           <a:p>
-            <a:pPr marL="344805" indent="-342900">
+            <a:pPr>
               <a:lnSpc>
                 <a:spcPct val="115000"/>
               </a:lnSpc>
@@ -6403,26 +6632,26 @@
                 <a:spcPts val="1000"/>
               </a:spcAft>
               <a:buFont typeface="+mj-lt"/>
-              <a:buAutoNum type="arabicPeriod"/>
+              <a:buAutoNum type="arabicPeriod" startAt="6"/>
             </a:pPr>
             <a:r>
-              <a:rPr lang="pt-BR" sz="1800" dirty="0">
+              <a:rPr lang="pt-BR" sz="1600" dirty="0">
                 <a:effectLst/>
                 <a:latin typeface="Cambria" panose="02040503050406030204" pitchFamily="18" charset="0"/>
-                <a:ea typeface="Times New Roman" panose="02020603050405020304" pitchFamily="18" charset="0"/>
+                <a:ea typeface="Cambria" panose="02040503050406030204" pitchFamily="18" charset="0"/>
                 <a:cs typeface="Arial" panose="020B0604020202020204" pitchFamily="34" charset="0"/>
               </a:rPr>
               <a:t>O sistema deve permitir ao usuário preencher automaticamente as informações de uma música, como nome do artista e gênero, quando não fornecidos;</a:t>
             </a:r>
-            <a:endParaRPr lang="pt-BR" sz="1800" dirty="0">
+            <a:endParaRPr lang="pt-BR" sz="1600" dirty="0">
               <a:effectLst/>
-              <a:latin typeface="Calibri" panose="020F0502020204030204" pitchFamily="34" charset="0"/>
-              <a:ea typeface="Times New Roman" panose="02020603050405020304" pitchFamily="18" charset="0"/>
+              <a:latin typeface="Cambria" panose="02040503050406030204" pitchFamily="18" charset="0"/>
+              <a:ea typeface="Cambria" panose="02040503050406030204" pitchFamily="18" charset="0"/>
               <a:cs typeface="Times New Roman" panose="02020603050405020304" pitchFamily="18" charset="0"/>
             </a:endParaRPr>
           </a:p>
           <a:p>
-            <a:pPr marL="344805" indent="-342900">
+            <a:pPr>
               <a:lnSpc>
                 <a:spcPct val="115000"/>
               </a:lnSpc>
@@ -6430,26 +6659,26 @@
                 <a:spcPts val="1000"/>
               </a:spcAft>
               <a:buFont typeface="+mj-lt"/>
-              <a:buAutoNum type="arabicPeriod"/>
+              <a:buAutoNum type="arabicPeriod" startAt="6"/>
             </a:pPr>
             <a:r>
-              <a:rPr lang="pt-BR" sz="1800" dirty="0">
+              <a:rPr lang="pt-BR" sz="1600" dirty="0">
                 <a:effectLst/>
                 <a:latin typeface="Cambria" panose="02040503050406030204" pitchFamily="18" charset="0"/>
-                <a:ea typeface="Times New Roman" panose="02020603050405020304" pitchFamily="18" charset="0"/>
+                <a:ea typeface="Cambria" panose="02040503050406030204" pitchFamily="18" charset="0"/>
                 <a:cs typeface="Arial" panose="020B0604020202020204" pitchFamily="34" charset="0"/>
               </a:rPr>
               <a:t>O sistema deve permitir que o usuário crie playlists;</a:t>
             </a:r>
-            <a:endParaRPr lang="pt-BR" sz="1800" dirty="0">
+            <a:endParaRPr lang="pt-BR" sz="1600" dirty="0">
               <a:effectLst/>
-              <a:latin typeface="Calibri" panose="020F0502020204030204" pitchFamily="34" charset="0"/>
-              <a:ea typeface="Times New Roman" panose="02020603050405020304" pitchFamily="18" charset="0"/>
+              <a:latin typeface="Cambria" panose="02040503050406030204" pitchFamily="18" charset="0"/>
+              <a:ea typeface="Cambria" panose="02040503050406030204" pitchFamily="18" charset="0"/>
               <a:cs typeface="Times New Roman" panose="02020603050405020304" pitchFamily="18" charset="0"/>
             </a:endParaRPr>
           </a:p>
           <a:p>
-            <a:pPr marL="344805" indent="-342900">
+            <a:pPr>
               <a:lnSpc>
                 <a:spcPct val="115000"/>
               </a:lnSpc>
@@ -6457,21 +6686,21 @@
                 <a:spcPts val="1000"/>
               </a:spcAft>
               <a:buFont typeface="+mj-lt"/>
-              <a:buAutoNum type="arabicPeriod"/>
+              <a:buAutoNum type="arabicPeriod" startAt="6"/>
             </a:pPr>
             <a:r>
-              <a:rPr lang="pt-BR" sz="1800" dirty="0">
+              <a:rPr lang="pt-BR" sz="1600" dirty="0">
                 <a:effectLst/>
                 <a:latin typeface="Cambria" panose="02040503050406030204" pitchFamily="18" charset="0"/>
-                <a:ea typeface="Times New Roman" panose="02020603050405020304" pitchFamily="18" charset="0"/>
+                <a:ea typeface="Cambria" panose="02040503050406030204" pitchFamily="18" charset="0"/>
                 <a:cs typeface="Arial" panose="020B0604020202020204" pitchFamily="34" charset="0"/>
               </a:rPr>
               <a:t>O sistema deve exibir uma mensagem de erro quando uma música ou playlist não puder ser carregada ou acessada.</a:t>
             </a:r>
-            <a:endParaRPr lang="pt-BR" sz="1800" dirty="0">
+            <a:endParaRPr lang="pt-BR" sz="1600" dirty="0">
               <a:effectLst/>
-              <a:latin typeface="Calibri" panose="020F0502020204030204" pitchFamily="34" charset="0"/>
-              <a:ea typeface="Times New Roman" panose="02020603050405020304" pitchFamily="18" charset="0"/>
+              <a:latin typeface="Cambria" panose="02040503050406030204" pitchFamily="18" charset="0"/>
+              <a:ea typeface="Cambria" panose="02040503050406030204" pitchFamily="18" charset="0"/>
               <a:cs typeface="Times New Roman" panose="02020603050405020304" pitchFamily="18" charset="0"/>
             </a:endParaRPr>
           </a:p>

--- a/Projeto Acorde 2025.pptx
+++ b/Projeto Acorde 2025.pptx
@@ -211,7 +211,7 @@
           <a:effectLst/>
           <a:extLst>
             <a:ext uri="{91240B29-F687-4f45-9708-019B960494DF}">
-              <a14:hiddenLine xmlns="" xmlns:a14="http://schemas.microsoft.com/office/drawing/2010/main" w="9525">
+              <a14:hiddenLine xmlns:a14="http://schemas.microsoft.com/office/drawing/2010/main" xmlns="" w="9525">
                 <a:solidFill>
                   <a:srgbClr val="000000"/>
                 </a:solidFill>
@@ -1721,7 +1721,7 @@
           <a:ln/>
           <a:extLst>
             <a:ext uri="{91240B29-F687-4f45-9708-019B960494DF}">
-              <a14:hiddenLine xmlns="" xmlns:a14="http://schemas.microsoft.com/office/drawing/2010/main" w="9525">
+              <a14:hiddenLine xmlns:a14="http://schemas.microsoft.com/office/drawing/2010/main" xmlns="" w="9525">
                 <a:solidFill>
                   <a:srgbClr val="000000"/>
                 </a:solidFill>
@@ -1993,7 +1993,7 @@
           <a:ln/>
           <a:extLst>
             <a:ext uri="{91240B29-F687-4f45-9708-019B960494DF}">
-              <a14:hiddenLine xmlns="" xmlns:a14="http://schemas.microsoft.com/office/drawing/2010/main" w="9525">
+              <a14:hiddenLine xmlns:a14="http://schemas.microsoft.com/office/drawing/2010/main" xmlns="" w="9525">
                 <a:solidFill>
                   <a:srgbClr val="000000"/>
                 </a:solidFill>
@@ -2273,7 +2273,7 @@
           <a:ln/>
           <a:extLst>
             <a:ext uri="{91240B29-F687-4f45-9708-019B960494DF}">
-              <a14:hiddenLine xmlns="" xmlns:a14="http://schemas.microsoft.com/office/drawing/2010/main" w="9525">
+              <a14:hiddenLine xmlns:a14="http://schemas.microsoft.com/office/drawing/2010/main" xmlns="" w="9525">
                 <a:solidFill>
                   <a:srgbClr val="000000"/>
                 </a:solidFill>
@@ -2893,7 +2893,7 @@
           <a:ln/>
           <a:extLst>
             <a:ext uri="{91240B29-F687-4f45-9708-019B960494DF}">
-              <a14:hiddenLine xmlns="" xmlns:a14="http://schemas.microsoft.com/office/drawing/2010/main" w="9525">
+              <a14:hiddenLine xmlns:a14="http://schemas.microsoft.com/office/drawing/2010/main" xmlns="" w="9525">
                 <a:solidFill>
                   <a:srgbClr val="000000"/>
                 </a:solidFill>
@@ -3229,7 +3229,7 @@
           <a:ln/>
           <a:extLst>
             <a:ext uri="{91240B29-F687-4f45-9708-019B960494DF}">
-              <a14:hiddenLine xmlns="" xmlns:a14="http://schemas.microsoft.com/office/drawing/2010/main" w="9525">
+              <a14:hiddenLine xmlns:a14="http://schemas.microsoft.com/office/drawing/2010/main" xmlns="" w="9525">
                 <a:solidFill>
                   <a:srgbClr val="000000"/>
                 </a:solidFill>
@@ -3703,7 +3703,7 @@
           <a:ln/>
           <a:extLst>
             <a:ext uri="{91240B29-F687-4f45-9708-019B960494DF}">
-              <a14:hiddenLine xmlns="" xmlns:a14="http://schemas.microsoft.com/office/drawing/2010/main" w="9525">
+              <a14:hiddenLine xmlns:a14="http://schemas.microsoft.com/office/drawing/2010/main" xmlns="" w="9525">
                 <a:solidFill>
                   <a:srgbClr val="000000"/>
                 </a:solidFill>
@@ -4126,7 +4126,7 @@
           <a:ln/>
           <a:extLst>
             <a:ext uri="{91240B29-F687-4f45-9708-019B960494DF}">
-              <a14:hiddenLine xmlns="" xmlns:a14="http://schemas.microsoft.com/office/drawing/2010/main" w="9525">
+              <a14:hiddenLine xmlns:a14="http://schemas.microsoft.com/office/drawing/2010/main" xmlns="" w="9525">
                 <a:solidFill>
                   <a:srgbClr val="000000"/>
                 </a:solidFill>
